--- a/GAP_Window.pptx
+++ b/GAP_Window.pptx
@@ -7233,7 +7233,7 @@
         </p:spPr>
         <p:txBody>
           <a:bodyPr vert="horz" lIns="91440" tIns="45720" rIns="91440" bIns="45720" rtlCol="0">
-            <a:normAutofit/>
+            <a:normAutofit lnSpcReduction="10000"/>
           </a:bodyPr>
           <a:lstStyle>
             <a:lvl1pPr marL="228600" indent="-228600" algn="l" defTabSz="914400" rtl="0" eaLnBrk="1" latinLnBrk="0" hangingPunct="1">
@@ -7518,6 +7518,28 @@
               </a:rPr>
               <a:t>Conclusions</a:t>
             </a:r>
+          </a:p>
+          <a:p>
+            <a:pPr>
+              <a:lnSpc>
+                <a:spcPct val="120000"/>
+              </a:lnSpc>
+              <a:spcAft>
+                <a:spcPts val="600"/>
+              </a:spcAft>
+              <a:defRPr/>
+            </a:pPr>
+            <a:r>
+              <a:rPr lang="en-US" sz="2800">
+                <a:latin typeface="Segoe UI" panose="020B0502040204020203" pitchFamily="34" charset="0"/>
+                <a:cs typeface="Segoe UI" panose="020B0502040204020203" pitchFamily="34" charset="0"/>
+              </a:rPr>
+              <a:t>Contact and link to software </a:t>
+            </a:r>
+            <a:endParaRPr lang="en-US" sz="2800" dirty="0">
+              <a:latin typeface="Segoe UI" panose="020B0502040204020203" pitchFamily="34" charset="0"/>
+              <a:cs typeface="Segoe UI" panose="020B0502040204020203" pitchFamily="34" charset="0"/>
+            </a:endParaRPr>
           </a:p>
           <a:p>
             <a:pPr marL="0" indent="0">
@@ -11335,21 +11357,21 @@
 </file>
 
 <file path=customXml/item1.xml><?xml version="1.0" encoding="utf-8"?>
+<p:properties xmlns:p="http://schemas.microsoft.com/office/2006/metadata/properties" xmlns:xsi="http://www.w3.org/2001/XMLSchema-instance" xmlns:pc="http://schemas.microsoft.com/office/infopath/2007/PartnerControls">
+  <documentManagement>
+    <Status xmlns="71af3243-3dd4-4a8d-8c0d-dd76da1f02a5">Not started</Status>
+    <MediaServiceKeyPoints xmlns="71af3243-3dd4-4a8d-8c0d-dd76da1f02a5" xsi:nil="true"/>
+  </documentManagement>
+</p:properties>
+</file>
+
+<file path=customXml/item2.xml><?xml version="1.0" encoding="utf-8"?>
 <?mso-contentType ?>
 <FormTemplates xmlns="http://schemas.microsoft.com/sharepoint/v3/contenttype/forms">
   <Display>DocumentLibraryForm</Display>
   <Edit>DocumentLibraryForm</Edit>
   <New>DocumentLibraryForm</New>
 </FormTemplates>
-</file>
-
-<file path=customXml/item2.xml><?xml version="1.0" encoding="utf-8"?>
-<p:properties xmlns:p="http://schemas.microsoft.com/office/2006/metadata/properties" xmlns:xsi="http://www.w3.org/2001/XMLSchema-instance" xmlns:pc="http://schemas.microsoft.com/office/infopath/2007/PartnerControls">
-  <documentManagement>
-    <Status xmlns="71af3243-3dd4-4a8d-8c0d-dd76da1f02a5">Not started</Status>
-    <MediaServiceKeyPoints xmlns="71af3243-3dd4-4a8d-8c0d-dd76da1f02a5" xsi:nil="true"/>
-  </documentManagement>
-</p:properties>
 </file>
 
 <file path=customXml/item3.xml><?xml version="1.0" encoding="utf-8"?>
@@ -11574,19 +11596,19 @@
 </file>
 
 <file path=customXml/itemProps1.xml><?xml version="1.0" encoding="utf-8"?>
-<ds:datastoreItem xmlns:ds="http://schemas.openxmlformats.org/officeDocument/2006/customXml" ds:itemID="{7EE8C63A-4744-4DE4-BB49-0FF0B5375C60}">
+<ds:datastoreItem xmlns:ds="http://schemas.openxmlformats.org/officeDocument/2006/customXml" ds:itemID="{950072C5-DDE0-4258-BA7A-4D4B80DFA632}">
   <ds:schemaRefs>
-    <ds:schemaRef ds:uri="http://schemas.microsoft.com/sharepoint/v3/contenttype/forms"/>
+    <ds:schemaRef ds:uri="http://schemas.microsoft.com/office/2006/metadata/properties"/>
+    <ds:schemaRef ds:uri="http://schemas.microsoft.com/office/infopath/2007/PartnerControls"/>
+    <ds:schemaRef ds:uri="71af3243-3dd4-4a8d-8c0d-dd76da1f02a5"/>
   </ds:schemaRefs>
 </ds:datastoreItem>
 </file>
 
 <file path=customXml/itemProps2.xml><?xml version="1.0" encoding="utf-8"?>
-<ds:datastoreItem xmlns:ds="http://schemas.openxmlformats.org/officeDocument/2006/customXml" ds:itemID="{950072C5-DDE0-4258-BA7A-4D4B80DFA632}">
+<ds:datastoreItem xmlns:ds="http://schemas.openxmlformats.org/officeDocument/2006/customXml" ds:itemID="{7EE8C63A-4744-4DE4-BB49-0FF0B5375C60}">
   <ds:schemaRefs>
-    <ds:schemaRef ds:uri="http://schemas.microsoft.com/office/2006/metadata/properties"/>
-    <ds:schemaRef ds:uri="http://schemas.microsoft.com/office/infopath/2007/PartnerControls"/>
-    <ds:schemaRef ds:uri="71af3243-3dd4-4a8d-8c0d-dd76da1f02a5"/>
+    <ds:schemaRef ds:uri="http://schemas.microsoft.com/sharepoint/v3/contenttype/forms"/>
   </ds:schemaRefs>
 </ds:datastoreItem>
 </file>
